--- a/ppt 16-9/1287.不要挂虑.pptx
+++ b/ppt 16-9/1287.不要挂虑.pptx
@@ -129,7 +129,7 @@
           <p:cNvPr id="2" name="标题 1">
             <a:extLst>
               <a:ext uri="{FF2B5EF4-FFF2-40B4-BE49-F238E27FC236}">
-                <a16:creationId xmlns:a16="http://schemas.microsoft.com/office/drawing/2014/main" id="{347519BB-2D12-E1BF-4478-ED1B7740CDE2}"/>
+                <a16:creationId xmlns:a16="http://schemas.microsoft.com/office/drawing/2014/main" id="{1E2695F6-7A01-994F-CFC0-24B0363380BC}"/>
               </a:ext>
             </a:extLst>
           </p:cNvPr>
@@ -166,7 +166,7 @@
           <p:cNvPr id="3" name="副标题 2">
             <a:extLst>
               <a:ext uri="{FF2B5EF4-FFF2-40B4-BE49-F238E27FC236}">
-                <a16:creationId xmlns:a16="http://schemas.microsoft.com/office/drawing/2014/main" id="{B4B64473-BD4C-1605-212E-CC372E52DAB8}"/>
+                <a16:creationId xmlns:a16="http://schemas.microsoft.com/office/drawing/2014/main" id="{938489C3-D9CE-3556-0A8B-1A57C9345528}"/>
               </a:ext>
             </a:extLst>
           </p:cNvPr>
@@ -236,7 +236,7 @@
           <p:cNvPr id="4" name="日期占位符 3">
             <a:extLst>
               <a:ext uri="{FF2B5EF4-FFF2-40B4-BE49-F238E27FC236}">
-                <a16:creationId xmlns:a16="http://schemas.microsoft.com/office/drawing/2014/main" id="{2CCB31A0-7574-7F98-DE38-F7F2EE3CDC10}"/>
+                <a16:creationId xmlns:a16="http://schemas.microsoft.com/office/drawing/2014/main" id="{43BEBB2F-93A6-6C84-D106-2E80D5DE9A9A}"/>
               </a:ext>
             </a:extLst>
           </p:cNvPr>
@@ -252,7 +252,7 @@
           <a:bodyPr/>
           <a:lstStyle/>
           <a:p>
-            <a:fld id="{CFAC8E6B-89E3-428F-9E82-811432877376}" type="datetimeFigureOut">
+            <a:fld id="{95E3E190-79BD-4A9F-9B40-8F6A07CFD4B0}" type="datetimeFigureOut">
               <a:rPr lang="zh-CN" altLang="en-US" smtClean="0"/>
               <a:t>2024/3/10</a:t>
             </a:fld>
@@ -265,7 +265,7 @@
           <p:cNvPr id="5" name="页脚占位符 4">
             <a:extLst>
               <a:ext uri="{FF2B5EF4-FFF2-40B4-BE49-F238E27FC236}">
-                <a16:creationId xmlns:a16="http://schemas.microsoft.com/office/drawing/2014/main" id="{CE0732A8-F3DD-B67F-FA33-AFD85882753D}"/>
+                <a16:creationId xmlns:a16="http://schemas.microsoft.com/office/drawing/2014/main" id="{37A5AF1D-DE18-5EFB-A025-1D3F1C8F01C7}"/>
               </a:ext>
             </a:extLst>
           </p:cNvPr>
@@ -290,7 +290,7 @@
           <p:cNvPr id="6" name="灯片编号占位符 5">
             <a:extLst>
               <a:ext uri="{FF2B5EF4-FFF2-40B4-BE49-F238E27FC236}">
-                <a16:creationId xmlns:a16="http://schemas.microsoft.com/office/drawing/2014/main" id="{20743987-1BD9-8B07-9742-92CDAC8B18DF}"/>
+                <a16:creationId xmlns:a16="http://schemas.microsoft.com/office/drawing/2014/main" id="{AEBF707E-D19D-20C6-B7C1-AA0490652E23}"/>
               </a:ext>
             </a:extLst>
           </p:cNvPr>
@@ -306,7 +306,7 @@
           <a:bodyPr/>
           <a:lstStyle/>
           <a:p>
-            <a:fld id="{1A93098A-947F-49BD-9C50-DDDA17F24623}" type="slidenum">
+            <a:fld id="{84459C09-3EF7-4ACA-9AD5-533EC1D715A1}" type="slidenum">
               <a:rPr lang="zh-CN" altLang="en-US" smtClean="0"/>
               <a:t>‹#›</a:t>
             </a:fld>
@@ -317,7 +317,7 @@
     </p:spTree>
     <p:extLst>
       <p:ext uri="{BB962C8B-B14F-4D97-AF65-F5344CB8AC3E}">
-        <p14:creationId xmlns:p14="http://schemas.microsoft.com/office/powerpoint/2010/main" val="3096202330"/>
+        <p14:creationId xmlns:p14="http://schemas.microsoft.com/office/powerpoint/2010/main" val="423342135"/>
       </p:ext>
     </p:extLst>
   </p:cSld>
@@ -349,7 +349,7 @@
           <p:cNvPr id="2" name="标题 1">
             <a:extLst>
               <a:ext uri="{FF2B5EF4-FFF2-40B4-BE49-F238E27FC236}">
-                <a16:creationId xmlns:a16="http://schemas.microsoft.com/office/drawing/2014/main" id="{6BBCC2D4-B6F3-6AC5-061A-98AB2D679AA8}"/>
+                <a16:creationId xmlns:a16="http://schemas.microsoft.com/office/drawing/2014/main" id="{7500E28D-82FC-9893-2C83-9B4868246E6D}"/>
               </a:ext>
             </a:extLst>
           </p:cNvPr>
@@ -377,7 +377,7 @@
           <p:cNvPr id="3" name="竖排文字占位符 2">
             <a:extLst>
               <a:ext uri="{FF2B5EF4-FFF2-40B4-BE49-F238E27FC236}">
-                <a16:creationId xmlns:a16="http://schemas.microsoft.com/office/drawing/2014/main" id="{30AAA429-A6E4-BBF5-3202-52AAAC690496}"/>
+                <a16:creationId xmlns:a16="http://schemas.microsoft.com/office/drawing/2014/main" id="{EF862AA2-B910-9261-A543-DE91EB46CE64}"/>
               </a:ext>
             </a:extLst>
           </p:cNvPr>
@@ -434,7 +434,7 @@
           <p:cNvPr id="4" name="日期占位符 3">
             <a:extLst>
               <a:ext uri="{FF2B5EF4-FFF2-40B4-BE49-F238E27FC236}">
-                <a16:creationId xmlns:a16="http://schemas.microsoft.com/office/drawing/2014/main" id="{8948AE75-4E4D-B68A-0ECF-DFC62AB7B766}"/>
+                <a16:creationId xmlns:a16="http://schemas.microsoft.com/office/drawing/2014/main" id="{EA821157-1A8D-2D46-14C8-CEBF0269B765}"/>
               </a:ext>
             </a:extLst>
           </p:cNvPr>
@@ -450,7 +450,7 @@
           <a:bodyPr/>
           <a:lstStyle/>
           <a:p>
-            <a:fld id="{CFAC8E6B-89E3-428F-9E82-811432877376}" type="datetimeFigureOut">
+            <a:fld id="{95E3E190-79BD-4A9F-9B40-8F6A07CFD4B0}" type="datetimeFigureOut">
               <a:rPr lang="zh-CN" altLang="en-US" smtClean="0"/>
               <a:t>2024/3/10</a:t>
             </a:fld>
@@ -463,7 +463,7 @@
           <p:cNvPr id="5" name="页脚占位符 4">
             <a:extLst>
               <a:ext uri="{FF2B5EF4-FFF2-40B4-BE49-F238E27FC236}">
-                <a16:creationId xmlns:a16="http://schemas.microsoft.com/office/drawing/2014/main" id="{038416D7-1136-A58A-C934-DF81F6269D36}"/>
+                <a16:creationId xmlns:a16="http://schemas.microsoft.com/office/drawing/2014/main" id="{791A3BF3-C38F-CDB7-C98E-FB8DF171E374}"/>
               </a:ext>
             </a:extLst>
           </p:cNvPr>
@@ -488,7 +488,7 @@
           <p:cNvPr id="6" name="灯片编号占位符 5">
             <a:extLst>
               <a:ext uri="{FF2B5EF4-FFF2-40B4-BE49-F238E27FC236}">
-                <a16:creationId xmlns:a16="http://schemas.microsoft.com/office/drawing/2014/main" id="{0AD23528-248D-93C0-02CE-7430553D38E9}"/>
+                <a16:creationId xmlns:a16="http://schemas.microsoft.com/office/drawing/2014/main" id="{23D6726A-AEA0-943D-E410-71696BA882DB}"/>
               </a:ext>
             </a:extLst>
           </p:cNvPr>
@@ -504,7 +504,7 @@
           <a:bodyPr/>
           <a:lstStyle/>
           <a:p>
-            <a:fld id="{1A93098A-947F-49BD-9C50-DDDA17F24623}" type="slidenum">
+            <a:fld id="{84459C09-3EF7-4ACA-9AD5-533EC1D715A1}" type="slidenum">
               <a:rPr lang="zh-CN" altLang="en-US" smtClean="0"/>
               <a:t>‹#›</a:t>
             </a:fld>
@@ -515,7 +515,7 @@
     </p:spTree>
     <p:extLst>
       <p:ext uri="{BB962C8B-B14F-4D97-AF65-F5344CB8AC3E}">
-        <p14:creationId xmlns:p14="http://schemas.microsoft.com/office/powerpoint/2010/main" val="1141528914"/>
+        <p14:creationId xmlns:p14="http://schemas.microsoft.com/office/powerpoint/2010/main" val="4137766706"/>
       </p:ext>
     </p:extLst>
   </p:cSld>
@@ -547,7 +547,7 @@
           <p:cNvPr id="2" name="竖排标题 1">
             <a:extLst>
               <a:ext uri="{FF2B5EF4-FFF2-40B4-BE49-F238E27FC236}">
-                <a16:creationId xmlns:a16="http://schemas.microsoft.com/office/drawing/2014/main" id="{CA1214EF-3191-2022-F3B8-776D4D113C6A}"/>
+                <a16:creationId xmlns:a16="http://schemas.microsoft.com/office/drawing/2014/main" id="{99C69515-C1B7-DD63-56F4-4FBF5244D3AC}"/>
               </a:ext>
             </a:extLst>
           </p:cNvPr>
@@ -580,7 +580,7 @@
           <p:cNvPr id="3" name="竖排文字占位符 2">
             <a:extLst>
               <a:ext uri="{FF2B5EF4-FFF2-40B4-BE49-F238E27FC236}">
-                <a16:creationId xmlns:a16="http://schemas.microsoft.com/office/drawing/2014/main" id="{D75874F8-F2CD-2C6F-6A74-248B5C3EDF13}"/>
+                <a16:creationId xmlns:a16="http://schemas.microsoft.com/office/drawing/2014/main" id="{A69D9CDD-E516-F617-FF29-82CA0C3FAC65}"/>
               </a:ext>
             </a:extLst>
           </p:cNvPr>
@@ -642,7 +642,7 @@
           <p:cNvPr id="4" name="日期占位符 3">
             <a:extLst>
               <a:ext uri="{FF2B5EF4-FFF2-40B4-BE49-F238E27FC236}">
-                <a16:creationId xmlns:a16="http://schemas.microsoft.com/office/drawing/2014/main" id="{A2148A55-CDF2-BF00-8B13-A918D8D769AD}"/>
+                <a16:creationId xmlns:a16="http://schemas.microsoft.com/office/drawing/2014/main" id="{D82FE7C2-6702-1C71-259B-687E60385687}"/>
               </a:ext>
             </a:extLst>
           </p:cNvPr>
@@ -658,7 +658,7 @@
           <a:bodyPr/>
           <a:lstStyle/>
           <a:p>
-            <a:fld id="{CFAC8E6B-89E3-428F-9E82-811432877376}" type="datetimeFigureOut">
+            <a:fld id="{95E3E190-79BD-4A9F-9B40-8F6A07CFD4B0}" type="datetimeFigureOut">
               <a:rPr lang="zh-CN" altLang="en-US" smtClean="0"/>
               <a:t>2024/3/10</a:t>
             </a:fld>
@@ -671,7 +671,7 @@
           <p:cNvPr id="5" name="页脚占位符 4">
             <a:extLst>
               <a:ext uri="{FF2B5EF4-FFF2-40B4-BE49-F238E27FC236}">
-                <a16:creationId xmlns:a16="http://schemas.microsoft.com/office/drawing/2014/main" id="{566397A5-E7BA-9547-F9D5-F2A2F9A3A065}"/>
+                <a16:creationId xmlns:a16="http://schemas.microsoft.com/office/drawing/2014/main" id="{04C61678-9775-D94F-192C-EBA8575243DB}"/>
               </a:ext>
             </a:extLst>
           </p:cNvPr>
@@ -696,7 +696,7 @@
           <p:cNvPr id="6" name="灯片编号占位符 5">
             <a:extLst>
               <a:ext uri="{FF2B5EF4-FFF2-40B4-BE49-F238E27FC236}">
-                <a16:creationId xmlns:a16="http://schemas.microsoft.com/office/drawing/2014/main" id="{D901599A-1F8D-A3CA-DB36-78E1211EB3DE}"/>
+                <a16:creationId xmlns:a16="http://schemas.microsoft.com/office/drawing/2014/main" id="{3A2296E9-8111-B3AB-955F-4D2F406584F4}"/>
               </a:ext>
             </a:extLst>
           </p:cNvPr>
@@ -712,7 +712,7 @@
           <a:bodyPr/>
           <a:lstStyle/>
           <a:p>
-            <a:fld id="{1A93098A-947F-49BD-9C50-DDDA17F24623}" type="slidenum">
+            <a:fld id="{84459C09-3EF7-4ACA-9AD5-533EC1D715A1}" type="slidenum">
               <a:rPr lang="zh-CN" altLang="en-US" smtClean="0"/>
               <a:t>‹#›</a:t>
             </a:fld>
@@ -723,7 +723,7 @@
     </p:spTree>
     <p:extLst>
       <p:ext uri="{BB962C8B-B14F-4D97-AF65-F5344CB8AC3E}">
-        <p14:creationId xmlns:p14="http://schemas.microsoft.com/office/powerpoint/2010/main" val="3132817639"/>
+        <p14:creationId xmlns:p14="http://schemas.microsoft.com/office/powerpoint/2010/main" val="3146602674"/>
       </p:ext>
     </p:extLst>
   </p:cSld>
@@ -755,7 +755,7 @@
           <p:cNvPr id="2" name="标题 1">
             <a:extLst>
               <a:ext uri="{FF2B5EF4-FFF2-40B4-BE49-F238E27FC236}">
-                <a16:creationId xmlns:a16="http://schemas.microsoft.com/office/drawing/2014/main" id="{093F900C-D1CF-29D2-FFFA-375D95773665}"/>
+                <a16:creationId xmlns:a16="http://schemas.microsoft.com/office/drawing/2014/main" id="{B5445F59-6498-F78D-EE22-F6EB92094F8A}"/>
               </a:ext>
             </a:extLst>
           </p:cNvPr>
@@ -783,7 +783,7 @@
           <p:cNvPr id="3" name="内容占位符 2">
             <a:extLst>
               <a:ext uri="{FF2B5EF4-FFF2-40B4-BE49-F238E27FC236}">
-                <a16:creationId xmlns:a16="http://schemas.microsoft.com/office/drawing/2014/main" id="{5D78A33C-0427-988D-1F51-94F03CA200EA}"/>
+                <a16:creationId xmlns:a16="http://schemas.microsoft.com/office/drawing/2014/main" id="{F07E1725-30AB-BE62-46C4-BE9CFF0712BE}"/>
               </a:ext>
             </a:extLst>
           </p:cNvPr>
@@ -840,7 +840,7 @@
           <p:cNvPr id="4" name="日期占位符 3">
             <a:extLst>
               <a:ext uri="{FF2B5EF4-FFF2-40B4-BE49-F238E27FC236}">
-                <a16:creationId xmlns:a16="http://schemas.microsoft.com/office/drawing/2014/main" id="{6EC0F178-1E1C-D5C6-E77E-6DD64476CA58}"/>
+                <a16:creationId xmlns:a16="http://schemas.microsoft.com/office/drawing/2014/main" id="{C09A33D8-99D9-9215-1959-B74C3EAF5E2E}"/>
               </a:ext>
             </a:extLst>
           </p:cNvPr>
@@ -856,7 +856,7 @@
           <a:bodyPr/>
           <a:lstStyle/>
           <a:p>
-            <a:fld id="{CFAC8E6B-89E3-428F-9E82-811432877376}" type="datetimeFigureOut">
+            <a:fld id="{95E3E190-79BD-4A9F-9B40-8F6A07CFD4B0}" type="datetimeFigureOut">
               <a:rPr lang="zh-CN" altLang="en-US" smtClean="0"/>
               <a:t>2024/3/10</a:t>
             </a:fld>
@@ -869,7 +869,7 @@
           <p:cNvPr id="5" name="页脚占位符 4">
             <a:extLst>
               <a:ext uri="{FF2B5EF4-FFF2-40B4-BE49-F238E27FC236}">
-                <a16:creationId xmlns:a16="http://schemas.microsoft.com/office/drawing/2014/main" id="{BE36FC1D-8C10-365D-240D-7A4611960945}"/>
+                <a16:creationId xmlns:a16="http://schemas.microsoft.com/office/drawing/2014/main" id="{B40C0280-CF50-6A9B-23E8-D0A9CA4FD739}"/>
               </a:ext>
             </a:extLst>
           </p:cNvPr>
@@ -894,7 +894,7 @@
           <p:cNvPr id="6" name="灯片编号占位符 5">
             <a:extLst>
               <a:ext uri="{FF2B5EF4-FFF2-40B4-BE49-F238E27FC236}">
-                <a16:creationId xmlns:a16="http://schemas.microsoft.com/office/drawing/2014/main" id="{36601B1A-608C-9B0F-7016-BF8971488831}"/>
+                <a16:creationId xmlns:a16="http://schemas.microsoft.com/office/drawing/2014/main" id="{E25209C7-5570-B236-49FB-DF41359E4482}"/>
               </a:ext>
             </a:extLst>
           </p:cNvPr>
@@ -910,7 +910,7 @@
           <a:bodyPr/>
           <a:lstStyle/>
           <a:p>
-            <a:fld id="{1A93098A-947F-49BD-9C50-DDDA17F24623}" type="slidenum">
+            <a:fld id="{84459C09-3EF7-4ACA-9AD5-533EC1D715A1}" type="slidenum">
               <a:rPr lang="zh-CN" altLang="en-US" smtClean="0"/>
               <a:t>‹#›</a:t>
             </a:fld>
@@ -921,7 +921,7 @@
     </p:spTree>
     <p:extLst>
       <p:ext uri="{BB962C8B-B14F-4D97-AF65-F5344CB8AC3E}">
-        <p14:creationId xmlns:p14="http://schemas.microsoft.com/office/powerpoint/2010/main" val="1535206775"/>
+        <p14:creationId xmlns:p14="http://schemas.microsoft.com/office/powerpoint/2010/main" val="2667336175"/>
       </p:ext>
     </p:extLst>
   </p:cSld>
@@ -953,7 +953,7 @@
           <p:cNvPr id="2" name="标题 1">
             <a:extLst>
               <a:ext uri="{FF2B5EF4-FFF2-40B4-BE49-F238E27FC236}">
-                <a16:creationId xmlns:a16="http://schemas.microsoft.com/office/drawing/2014/main" id="{70DF57BC-F060-0A7A-2059-1AEFB73DB6F6}"/>
+                <a16:creationId xmlns:a16="http://schemas.microsoft.com/office/drawing/2014/main" id="{64CB09DA-158F-405B-EFCE-87F75D9B639B}"/>
               </a:ext>
             </a:extLst>
           </p:cNvPr>
@@ -990,7 +990,7 @@
           <p:cNvPr id="3" name="文本占位符 2">
             <a:extLst>
               <a:ext uri="{FF2B5EF4-FFF2-40B4-BE49-F238E27FC236}">
-                <a16:creationId xmlns:a16="http://schemas.microsoft.com/office/drawing/2014/main" id="{05FC0FD5-BB43-E41D-BF79-ECD75C34BA1A}"/>
+                <a16:creationId xmlns:a16="http://schemas.microsoft.com/office/drawing/2014/main" id="{16B3F66E-3914-706C-D92C-8049E1C946CD}"/>
               </a:ext>
             </a:extLst>
           </p:cNvPr>
@@ -1115,7 +1115,7 @@
           <p:cNvPr id="4" name="日期占位符 3">
             <a:extLst>
               <a:ext uri="{FF2B5EF4-FFF2-40B4-BE49-F238E27FC236}">
-                <a16:creationId xmlns:a16="http://schemas.microsoft.com/office/drawing/2014/main" id="{F43D6149-5F0D-3D57-4AE7-BF36ED9B6CA3}"/>
+                <a16:creationId xmlns:a16="http://schemas.microsoft.com/office/drawing/2014/main" id="{9A5F8E24-E9CE-4D4F-F979-18F244AC26F3}"/>
               </a:ext>
             </a:extLst>
           </p:cNvPr>
@@ -1131,7 +1131,7 @@
           <a:bodyPr/>
           <a:lstStyle/>
           <a:p>
-            <a:fld id="{CFAC8E6B-89E3-428F-9E82-811432877376}" type="datetimeFigureOut">
+            <a:fld id="{95E3E190-79BD-4A9F-9B40-8F6A07CFD4B0}" type="datetimeFigureOut">
               <a:rPr lang="zh-CN" altLang="en-US" smtClean="0"/>
               <a:t>2024/3/10</a:t>
             </a:fld>
@@ -1144,7 +1144,7 @@
           <p:cNvPr id="5" name="页脚占位符 4">
             <a:extLst>
               <a:ext uri="{FF2B5EF4-FFF2-40B4-BE49-F238E27FC236}">
-                <a16:creationId xmlns:a16="http://schemas.microsoft.com/office/drawing/2014/main" id="{AC971B74-727A-E73E-7DF5-558CB06C17B1}"/>
+                <a16:creationId xmlns:a16="http://schemas.microsoft.com/office/drawing/2014/main" id="{50C91863-961C-45BA-BE94-F46C9F68E46C}"/>
               </a:ext>
             </a:extLst>
           </p:cNvPr>
@@ -1169,7 +1169,7 @@
           <p:cNvPr id="6" name="灯片编号占位符 5">
             <a:extLst>
               <a:ext uri="{FF2B5EF4-FFF2-40B4-BE49-F238E27FC236}">
-                <a16:creationId xmlns:a16="http://schemas.microsoft.com/office/drawing/2014/main" id="{6AAC9400-93DC-EB2B-E84F-99CDDD615D98}"/>
+                <a16:creationId xmlns:a16="http://schemas.microsoft.com/office/drawing/2014/main" id="{E94401C5-96C6-4030-10CC-1A70C7D40CA7}"/>
               </a:ext>
             </a:extLst>
           </p:cNvPr>
@@ -1185,7 +1185,7 @@
           <a:bodyPr/>
           <a:lstStyle/>
           <a:p>
-            <a:fld id="{1A93098A-947F-49BD-9C50-DDDA17F24623}" type="slidenum">
+            <a:fld id="{84459C09-3EF7-4ACA-9AD5-533EC1D715A1}" type="slidenum">
               <a:rPr lang="zh-CN" altLang="en-US" smtClean="0"/>
               <a:t>‹#›</a:t>
             </a:fld>
@@ -1196,7 +1196,7 @@
     </p:spTree>
     <p:extLst>
       <p:ext uri="{BB962C8B-B14F-4D97-AF65-F5344CB8AC3E}">
-        <p14:creationId xmlns:p14="http://schemas.microsoft.com/office/powerpoint/2010/main" val="4129158089"/>
+        <p14:creationId xmlns:p14="http://schemas.microsoft.com/office/powerpoint/2010/main" val="2432713659"/>
       </p:ext>
     </p:extLst>
   </p:cSld>
@@ -1228,7 +1228,7 @@
           <p:cNvPr id="2" name="标题 1">
             <a:extLst>
               <a:ext uri="{FF2B5EF4-FFF2-40B4-BE49-F238E27FC236}">
-                <a16:creationId xmlns:a16="http://schemas.microsoft.com/office/drawing/2014/main" id="{53F096EC-EB79-C936-FF61-E2F6C2DC92D4}"/>
+                <a16:creationId xmlns:a16="http://schemas.microsoft.com/office/drawing/2014/main" id="{569A5E3B-C2F1-8109-1884-17D4EADB7375}"/>
               </a:ext>
             </a:extLst>
           </p:cNvPr>
@@ -1256,7 +1256,7 @@
           <p:cNvPr id="3" name="内容占位符 2">
             <a:extLst>
               <a:ext uri="{FF2B5EF4-FFF2-40B4-BE49-F238E27FC236}">
-                <a16:creationId xmlns:a16="http://schemas.microsoft.com/office/drawing/2014/main" id="{088032FF-7B6B-1CCC-7ACD-81F8DAC64911}"/>
+                <a16:creationId xmlns:a16="http://schemas.microsoft.com/office/drawing/2014/main" id="{B5E687FE-CD56-2782-9A44-0412D1E63E61}"/>
               </a:ext>
             </a:extLst>
           </p:cNvPr>
@@ -1318,7 +1318,7 @@
           <p:cNvPr id="4" name="内容占位符 3">
             <a:extLst>
               <a:ext uri="{FF2B5EF4-FFF2-40B4-BE49-F238E27FC236}">
-                <a16:creationId xmlns:a16="http://schemas.microsoft.com/office/drawing/2014/main" id="{F4B194E0-31D1-7894-F731-6C79FA117CB6}"/>
+                <a16:creationId xmlns:a16="http://schemas.microsoft.com/office/drawing/2014/main" id="{8F9F03F0-8F50-FA18-4CCA-7857F697FA0A}"/>
               </a:ext>
             </a:extLst>
           </p:cNvPr>
@@ -1380,7 +1380,7 @@
           <p:cNvPr id="5" name="日期占位符 4">
             <a:extLst>
               <a:ext uri="{FF2B5EF4-FFF2-40B4-BE49-F238E27FC236}">
-                <a16:creationId xmlns:a16="http://schemas.microsoft.com/office/drawing/2014/main" id="{76C470CA-0281-A6A1-80F8-E8774550C064}"/>
+                <a16:creationId xmlns:a16="http://schemas.microsoft.com/office/drawing/2014/main" id="{542197A1-6C44-2523-BA83-4AEA5B417E48}"/>
               </a:ext>
             </a:extLst>
           </p:cNvPr>
@@ -1396,7 +1396,7 @@
           <a:bodyPr/>
           <a:lstStyle/>
           <a:p>
-            <a:fld id="{CFAC8E6B-89E3-428F-9E82-811432877376}" type="datetimeFigureOut">
+            <a:fld id="{95E3E190-79BD-4A9F-9B40-8F6A07CFD4B0}" type="datetimeFigureOut">
               <a:rPr lang="zh-CN" altLang="en-US" smtClean="0"/>
               <a:t>2024/3/10</a:t>
             </a:fld>
@@ -1409,7 +1409,7 @@
           <p:cNvPr id="6" name="页脚占位符 5">
             <a:extLst>
               <a:ext uri="{FF2B5EF4-FFF2-40B4-BE49-F238E27FC236}">
-                <a16:creationId xmlns:a16="http://schemas.microsoft.com/office/drawing/2014/main" id="{E71B5BE9-D29C-52E7-1F6C-65F0EB937147}"/>
+                <a16:creationId xmlns:a16="http://schemas.microsoft.com/office/drawing/2014/main" id="{E12ACF9C-9C62-708B-5BFC-EE335528CA3A}"/>
               </a:ext>
             </a:extLst>
           </p:cNvPr>
@@ -1434,7 +1434,7 @@
           <p:cNvPr id="7" name="灯片编号占位符 6">
             <a:extLst>
               <a:ext uri="{FF2B5EF4-FFF2-40B4-BE49-F238E27FC236}">
-                <a16:creationId xmlns:a16="http://schemas.microsoft.com/office/drawing/2014/main" id="{5EEDAAAD-CD97-486B-F722-EAFE532449EC}"/>
+                <a16:creationId xmlns:a16="http://schemas.microsoft.com/office/drawing/2014/main" id="{8CCD1922-0EB8-6C93-6719-DD4CDF7F8318}"/>
               </a:ext>
             </a:extLst>
           </p:cNvPr>
@@ -1450,7 +1450,7 @@
           <a:bodyPr/>
           <a:lstStyle/>
           <a:p>
-            <a:fld id="{1A93098A-947F-49BD-9C50-DDDA17F24623}" type="slidenum">
+            <a:fld id="{84459C09-3EF7-4ACA-9AD5-533EC1D715A1}" type="slidenum">
               <a:rPr lang="zh-CN" altLang="en-US" smtClean="0"/>
               <a:t>‹#›</a:t>
             </a:fld>
@@ -1461,7 +1461,7 @@
     </p:spTree>
     <p:extLst>
       <p:ext uri="{BB962C8B-B14F-4D97-AF65-F5344CB8AC3E}">
-        <p14:creationId xmlns:p14="http://schemas.microsoft.com/office/powerpoint/2010/main" val="3752654584"/>
+        <p14:creationId xmlns:p14="http://schemas.microsoft.com/office/powerpoint/2010/main" val="3790855552"/>
       </p:ext>
     </p:extLst>
   </p:cSld>
@@ -1493,7 +1493,7 @@
           <p:cNvPr id="2" name="标题 1">
             <a:extLst>
               <a:ext uri="{FF2B5EF4-FFF2-40B4-BE49-F238E27FC236}">
-                <a16:creationId xmlns:a16="http://schemas.microsoft.com/office/drawing/2014/main" id="{15B43522-232B-71FF-93AD-F47AA9EF5859}"/>
+                <a16:creationId xmlns:a16="http://schemas.microsoft.com/office/drawing/2014/main" id="{BBA13632-C9F7-FA4A-787D-215A626CF6E5}"/>
               </a:ext>
             </a:extLst>
           </p:cNvPr>
@@ -1526,7 +1526,7 @@
           <p:cNvPr id="3" name="文本占位符 2">
             <a:extLst>
               <a:ext uri="{FF2B5EF4-FFF2-40B4-BE49-F238E27FC236}">
-                <a16:creationId xmlns:a16="http://schemas.microsoft.com/office/drawing/2014/main" id="{171FAF74-86C4-4274-1FEF-64272B1FB7F8}"/>
+                <a16:creationId xmlns:a16="http://schemas.microsoft.com/office/drawing/2014/main" id="{3CE07953-AB6D-F2A6-2998-44FEEDF9CA46}"/>
               </a:ext>
             </a:extLst>
           </p:cNvPr>
@@ -1597,7 +1597,7 @@
           <p:cNvPr id="4" name="内容占位符 3">
             <a:extLst>
               <a:ext uri="{FF2B5EF4-FFF2-40B4-BE49-F238E27FC236}">
-                <a16:creationId xmlns:a16="http://schemas.microsoft.com/office/drawing/2014/main" id="{BE153000-5161-13CB-7EC1-F10298BC057C}"/>
+                <a16:creationId xmlns:a16="http://schemas.microsoft.com/office/drawing/2014/main" id="{566165DD-D987-430C-9E73-56D07AB93035}"/>
               </a:ext>
             </a:extLst>
           </p:cNvPr>
@@ -1659,7 +1659,7 @@
           <p:cNvPr id="5" name="文本占位符 4">
             <a:extLst>
               <a:ext uri="{FF2B5EF4-FFF2-40B4-BE49-F238E27FC236}">
-                <a16:creationId xmlns:a16="http://schemas.microsoft.com/office/drawing/2014/main" id="{8B7EB14E-28ED-95CD-CAE0-E29E341A7FF4}"/>
+                <a16:creationId xmlns:a16="http://schemas.microsoft.com/office/drawing/2014/main" id="{58BB4066-EF3F-30F5-7B6A-A91F580B6362}"/>
               </a:ext>
             </a:extLst>
           </p:cNvPr>
@@ -1730,7 +1730,7 @@
           <p:cNvPr id="6" name="内容占位符 5">
             <a:extLst>
               <a:ext uri="{FF2B5EF4-FFF2-40B4-BE49-F238E27FC236}">
-                <a16:creationId xmlns:a16="http://schemas.microsoft.com/office/drawing/2014/main" id="{191CC14E-23C5-1E84-AE4F-A21C2F25C1A6}"/>
+                <a16:creationId xmlns:a16="http://schemas.microsoft.com/office/drawing/2014/main" id="{ECC11CD7-C62B-9911-B4EF-FC98EDB670FD}"/>
               </a:ext>
             </a:extLst>
           </p:cNvPr>
@@ -1792,7 +1792,7 @@
           <p:cNvPr id="7" name="日期占位符 6">
             <a:extLst>
               <a:ext uri="{FF2B5EF4-FFF2-40B4-BE49-F238E27FC236}">
-                <a16:creationId xmlns:a16="http://schemas.microsoft.com/office/drawing/2014/main" id="{04A5101C-7EA4-0892-CE34-1091BB592E20}"/>
+                <a16:creationId xmlns:a16="http://schemas.microsoft.com/office/drawing/2014/main" id="{892125A0-382B-30D4-F357-F7EEA06C4B7F}"/>
               </a:ext>
             </a:extLst>
           </p:cNvPr>
@@ -1808,7 +1808,7 @@
           <a:bodyPr/>
           <a:lstStyle/>
           <a:p>
-            <a:fld id="{CFAC8E6B-89E3-428F-9E82-811432877376}" type="datetimeFigureOut">
+            <a:fld id="{95E3E190-79BD-4A9F-9B40-8F6A07CFD4B0}" type="datetimeFigureOut">
               <a:rPr lang="zh-CN" altLang="en-US" smtClean="0"/>
               <a:t>2024/3/10</a:t>
             </a:fld>
@@ -1821,7 +1821,7 @@
           <p:cNvPr id="8" name="页脚占位符 7">
             <a:extLst>
               <a:ext uri="{FF2B5EF4-FFF2-40B4-BE49-F238E27FC236}">
-                <a16:creationId xmlns:a16="http://schemas.microsoft.com/office/drawing/2014/main" id="{CD7A944F-4A2B-4EC9-1C99-8DD8E844173B}"/>
+                <a16:creationId xmlns:a16="http://schemas.microsoft.com/office/drawing/2014/main" id="{73C69AB8-5342-20FB-0B28-0B489F3EEC03}"/>
               </a:ext>
             </a:extLst>
           </p:cNvPr>
@@ -1846,7 +1846,7 @@
           <p:cNvPr id="9" name="灯片编号占位符 8">
             <a:extLst>
               <a:ext uri="{FF2B5EF4-FFF2-40B4-BE49-F238E27FC236}">
-                <a16:creationId xmlns:a16="http://schemas.microsoft.com/office/drawing/2014/main" id="{29C9DF52-41AC-1E5D-F020-8ADCB95C7EBC}"/>
+                <a16:creationId xmlns:a16="http://schemas.microsoft.com/office/drawing/2014/main" id="{EE4D5A87-19B0-BB10-5059-9E1523D80DA0}"/>
               </a:ext>
             </a:extLst>
           </p:cNvPr>
@@ -1862,7 +1862,7 @@
           <a:bodyPr/>
           <a:lstStyle/>
           <a:p>
-            <a:fld id="{1A93098A-947F-49BD-9C50-DDDA17F24623}" type="slidenum">
+            <a:fld id="{84459C09-3EF7-4ACA-9AD5-533EC1D715A1}" type="slidenum">
               <a:rPr lang="zh-CN" altLang="en-US" smtClean="0"/>
               <a:t>‹#›</a:t>
             </a:fld>
@@ -1873,7 +1873,7 @@
     </p:spTree>
     <p:extLst>
       <p:ext uri="{BB962C8B-B14F-4D97-AF65-F5344CB8AC3E}">
-        <p14:creationId xmlns:p14="http://schemas.microsoft.com/office/powerpoint/2010/main" val="2965754979"/>
+        <p14:creationId xmlns:p14="http://schemas.microsoft.com/office/powerpoint/2010/main" val="3691906306"/>
       </p:ext>
     </p:extLst>
   </p:cSld>
@@ -1905,7 +1905,7 @@
           <p:cNvPr id="2" name="标题 1">
             <a:extLst>
               <a:ext uri="{FF2B5EF4-FFF2-40B4-BE49-F238E27FC236}">
-                <a16:creationId xmlns:a16="http://schemas.microsoft.com/office/drawing/2014/main" id="{24690287-2BA0-98D6-A985-09BFA3EE80E4}"/>
+                <a16:creationId xmlns:a16="http://schemas.microsoft.com/office/drawing/2014/main" id="{1DE0FF76-4677-7B10-5448-3BBD88711F10}"/>
               </a:ext>
             </a:extLst>
           </p:cNvPr>
@@ -1933,7 +1933,7 @@
           <p:cNvPr id="3" name="日期占位符 2">
             <a:extLst>
               <a:ext uri="{FF2B5EF4-FFF2-40B4-BE49-F238E27FC236}">
-                <a16:creationId xmlns:a16="http://schemas.microsoft.com/office/drawing/2014/main" id="{5D35B7DF-E8B0-A673-B698-52E6830FEEAA}"/>
+                <a16:creationId xmlns:a16="http://schemas.microsoft.com/office/drawing/2014/main" id="{989B7D1B-5F33-200D-2020-F6A3087563E6}"/>
               </a:ext>
             </a:extLst>
           </p:cNvPr>
@@ -1949,7 +1949,7 @@
           <a:bodyPr/>
           <a:lstStyle/>
           <a:p>
-            <a:fld id="{CFAC8E6B-89E3-428F-9E82-811432877376}" type="datetimeFigureOut">
+            <a:fld id="{95E3E190-79BD-4A9F-9B40-8F6A07CFD4B0}" type="datetimeFigureOut">
               <a:rPr lang="zh-CN" altLang="en-US" smtClean="0"/>
               <a:t>2024/3/10</a:t>
             </a:fld>
@@ -1962,7 +1962,7 @@
           <p:cNvPr id="4" name="页脚占位符 3">
             <a:extLst>
               <a:ext uri="{FF2B5EF4-FFF2-40B4-BE49-F238E27FC236}">
-                <a16:creationId xmlns:a16="http://schemas.microsoft.com/office/drawing/2014/main" id="{F018A9DE-077F-D09C-638C-0E108CC575F4}"/>
+                <a16:creationId xmlns:a16="http://schemas.microsoft.com/office/drawing/2014/main" id="{0B6A4761-FED5-6CFD-9A8D-769B8C325575}"/>
               </a:ext>
             </a:extLst>
           </p:cNvPr>
@@ -1987,7 +1987,7 @@
           <p:cNvPr id="5" name="灯片编号占位符 4">
             <a:extLst>
               <a:ext uri="{FF2B5EF4-FFF2-40B4-BE49-F238E27FC236}">
-                <a16:creationId xmlns:a16="http://schemas.microsoft.com/office/drawing/2014/main" id="{983F35C3-8692-C1DB-3A98-795D851EBC7E}"/>
+                <a16:creationId xmlns:a16="http://schemas.microsoft.com/office/drawing/2014/main" id="{5336CBF1-67E8-BC8C-6156-2407D6FBE1B4}"/>
               </a:ext>
             </a:extLst>
           </p:cNvPr>
@@ -2003,7 +2003,7 @@
           <a:bodyPr/>
           <a:lstStyle/>
           <a:p>
-            <a:fld id="{1A93098A-947F-49BD-9C50-DDDA17F24623}" type="slidenum">
+            <a:fld id="{84459C09-3EF7-4ACA-9AD5-533EC1D715A1}" type="slidenum">
               <a:rPr lang="zh-CN" altLang="en-US" smtClean="0"/>
               <a:t>‹#›</a:t>
             </a:fld>
@@ -2014,7 +2014,7 @@
     </p:spTree>
     <p:extLst>
       <p:ext uri="{BB962C8B-B14F-4D97-AF65-F5344CB8AC3E}">
-        <p14:creationId xmlns:p14="http://schemas.microsoft.com/office/powerpoint/2010/main" val="2511667759"/>
+        <p14:creationId xmlns:p14="http://schemas.microsoft.com/office/powerpoint/2010/main" val="2542405383"/>
       </p:ext>
     </p:extLst>
   </p:cSld>
@@ -2046,7 +2046,7 @@
           <p:cNvPr id="2" name="日期占位符 1">
             <a:extLst>
               <a:ext uri="{FF2B5EF4-FFF2-40B4-BE49-F238E27FC236}">
-                <a16:creationId xmlns:a16="http://schemas.microsoft.com/office/drawing/2014/main" id="{A439859C-329B-D6A6-296D-6D40D6A3503C}"/>
+                <a16:creationId xmlns:a16="http://schemas.microsoft.com/office/drawing/2014/main" id="{A6AF4BD4-4A5D-1E12-EEA5-9900701CB0B5}"/>
               </a:ext>
             </a:extLst>
           </p:cNvPr>
@@ -2062,7 +2062,7 @@
           <a:bodyPr/>
           <a:lstStyle/>
           <a:p>
-            <a:fld id="{CFAC8E6B-89E3-428F-9E82-811432877376}" type="datetimeFigureOut">
+            <a:fld id="{95E3E190-79BD-4A9F-9B40-8F6A07CFD4B0}" type="datetimeFigureOut">
               <a:rPr lang="zh-CN" altLang="en-US" smtClean="0"/>
               <a:t>2024/3/10</a:t>
             </a:fld>
@@ -2075,7 +2075,7 @@
           <p:cNvPr id="3" name="页脚占位符 2">
             <a:extLst>
               <a:ext uri="{FF2B5EF4-FFF2-40B4-BE49-F238E27FC236}">
-                <a16:creationId xmlns:a16="http://schemas.microsoft.com/office/drawing/2014/main" id="{C5A9D662-ECF7-5062-60CC-2DD037F56E89}"/>
+                <a16:creationId xmlns:a16="http://schemas.microsoft.com/office/drawing/2014/main" id="{8964AFA7-B2C8-4282-51A5-FF7B7D930BB9}"/>
               </a:ext>
             </a:extLst>
           </p:cNvPr>
@@ -2100,7 +2100,7 @@
           <p:cNvPr id="4" name="灯片编号占位符 3">
             <a:extLst>
               <a:ext uri="{FF2B5EF4-FFF2-40B4-BE49-F238E27FC236}">
-                <a16:creationId xmlns:a16="http://schemas.microsoft.com/office/drawing/2014/main" id="{104D1AE9-C7FA-95BF-12A2-8E698D05F458}"/>
+                <a16:creationId xmlns:a16="http://schemas.microsoft.com/office/drawing/2014/main" id="{8A917D9F-3D4D-45A1-0418-F91320D2336A}"/>
               </a:ext>
             </a:extLst>
           </p:cNvPr>
@@ -2116,7 +2116,7 @@
           <a:bodyPr/>
           <a:lstStyle/>
           <a:p>
-            <a:fld id="{1A93098A-947F-49BD-9C50-DDDA17F24623}" type="slidenum">
+            <a:fld id="{84459C09-3EF7-4ACA-9AD5-533EC1D715A1}" type="slidenum">
               <a:rPr lang="zh-CN" altLang="en-US" smtClean="0"/>
               <a:t>‹#›</a:t>
             </a:fld>
@@ -2127,7 +2127,7 @@
     </p:spTree>
     <p:extLst>
       <p:ext uri="{BB962C8B-B14F-4D97-AF65-F5344CB8AC3E}">
-        <p14:creationId xmlns:p14="http://schemas.microsoft.com/office/powerpoint/2010/main" val="2769305932"/>
+        <p14:creationId xmlns:p14="http://schemas.microsoft.com/office/powerpoint/2010/main" val="2133112639"/>
       </p:ext>
     </p:extLst>
   </p:cSld>
@@ -2159,7 +2159,7 @@
           <p:cNvPr id="2" name="标题 1">
             <a:extLst>
               <a:ext uri="{FF2B5EF4-FFF2-40B4-BE49-F238E27FC236}">
-                <a16:creationId xmlns:a16="http://schemas.microsoft.com/office/drawing/2014/main" id="{1D9335A9-48CA-5021-DB26-7288522E4C98}"/>
+                <a16:creationId xmlns:a16="http://schemas.microsoft.com/office/drawing/2014/main" id="{B344F80A-7A54-55D2-E5DC-2DA3B3C49C2B}"/>
               </a:ext>
             </a:extLst>
           </p:cNvPr>
@@ -2196,7 +2196,7 @@
           <p:cNvPr id="3" name="内容占位符 2">
             <a:extLst>
               <a:ext uri="{FF2B5EF4-FFF2-40B4-BE49-F238E27FC236}">
-                <a16:creationId xmlns:a16="http://schemas.microsoft.com/office/drawing/2014/main" id="{E3C7D064-36FF-CC3A-8ED1-9ED2CA7F8F65}"/>
+                <a16:creationId xmlns:a16="http://schemas.microsoft.com/office/drawing/2014/main" id="{72C23F79-4A28-23E6-241A-14426D471C83}"/>
               </a:ext>
             </a:extLst>
           </p:cNvPr>
@@ -2286,7 +2286,7 @@
           <p:cNvPr id="4" name="文本占位符 3">
             <a:extLst>
               <a:ext uri="{FF2B5EF4-FFF2-40B4-BE49-F238E27FC236}">
-                <a16:creationId xmlns:a16="http://schemas.microsoft.com/office/drawing/2014/main" id="{3A57D34A-2CEE-E510-F27D-88CBED9076CB}"/>
+                <a16:creationId xmlns:a16="http://schemas.microsoft.com/office/drawing/2014/main" id="{407CC314-5675-05AD-F0A7-FF2636E20926}"/>
               </a:ext>
             </a:extLst>
           </p:cNvPr>
@@ -2357,7 +2357,7 @@
           <p:cNvPr id="5" name="日期占位符 4">
             <a:extLst>
               <a:ext uri="{FF2B5EF4-FFF2-40B4-BE49-F238E27FC236}">
-                <a16:creationId xmlns:a16="http://schemas.microsoft.com/office/drawing/2014/main" id="{16414A5B-61D4-FCBE-F72A-D89210CFF84B}"/>
+                <a16:creationId xmlns:a16="http://schemas.microsoft.com/office/drawing/2014/main" id="{3EA70925-9907-7343-669D-553EF12EC1F8}"/>
               </a:ext>
             </a:extLst>
           </p:cNvPr>
@@ -2373,7 +2373,7 @@
           <a:bodyPr/>
           <a:lstStyle/>
           <a:p>
-            <a:fld id="{CFAC8E6B-89E3-428F-9E82-811432877376}" type="datetimeFigureOut">
+            <a:fld id="{95E3E190-79BD-4A9F-9B40-8F6A07CFD4B0}" type="datetimeFigureOut">
               <a:rPr lang="zh-CN" altLang="en-US" smtClean="0"/>
               <a:t>2024/3/10</a:t>
             </a:fld>
@@ -2386,7 +2386,7 @@
           <p:cNvPr id="6" name="页脚占位符 5">
             <a:extLst>
               <a:ext uri="{FF2B5EF4-FFF2-40B4-BE49-F238E27FC236}">
-                <a16:creationId xmlns:a16="http://schemas.microsoft.com/office/drawing/2014/main" id="{33CAE3E4-4AFF-BA89-1E4B-9C2719EA0383}"/>
+                <a16:creationId xmlns:a16="http://schemas.microsoft.com/office/drawing/2014/main" id="{FD4AC8D3-A164-94BF-DF9D-E8DA23171A96}"/>
               </a:ext>
             </a:extLst>
           </p:cNvPr>
@@ -2411,7 +2411,7 @@
           <p:cNvPr id="7" name="灯片编号占位符 6">
             <a:extLst>
               <a:ext uri="{FF2B5EF4-FFF2-40B4-BE49-F238E27FC236}">
-                <a16:creationId xmlns:a16="http://schemas.microsoft.com/office/drawing/2014/main" id="{177E0E45-4861-835E-E06B-331D53D0AE10}"/>
+                <a16:creationId xmlns:a16="http://schemas.microsoft.com/office/drawing/2014/main" id="{1A4CB6A9-5B42-7E90-D4F4-BA5A0EA280F2}"/>
               </a:ext>
             </a:extLst>
           </p:cNvPr>
@@ -2427,7 +2427,7 @@
           <a:bodyPr/>
           <a:lstStyle/>
           <a:p>
-            <a:fld id="{1A93098A-947F-49BD-9C50-DDDA17F24623}" type="slidenum">
+            <a:fld id="{84459C09-3EF7-4ACA-9AD5-533EC1D715A1}" type="slidenum">
               <a:rPr lang="zh-CN" altLang="en-US" smtClean="0"/>
               <a:t>‹#›</a:t>
             </a:fld>
@@ -2438,7 +2438,7 @@
     </p:spTree>
     <p:extLst>
       <p:ext uri="{BB962C8B-B14F-4D97-AF65-F5344CB8AC3E}">
-        <p14:creationId xmlns:p14="http://schemas.microsoft.com/office/powerpoint/2010/main" val="704750209"/>
+        <p14:creationId xmlns:p14="http://schemas.microsoft.com/office/powerpoint/2010/main" val="330080649"/>
       </p:ext>
     </p:extLst>
   </p:cSld>
@@ -2470,7 +2470,7 @@
           <p:cNvPr id="2" name="标题 1">
             <a:extLst>
               <a:ext uri="{FF2B5EF4-FFF2-40B4-BE49-F238E27FC236}">
-                <a16:creationId xmlns:a16="http://schemas.microsoft.com/office/drawing/2014/main" id="{955C6A2E-D454-A1E5-0C74-9454F0FB11C3}"/>
+                <a16:creationId xmlns:a16="http://schemas.microsoft.com/office/drawing/2014/main" id="{D05C8340-CFCF-D4E8-937E-CAD28EF72A22}"/>
               </a:ext>
             </a:extLst>
           </p:cNvPr>
@@ -2507,7 +2507,7 @@
           <p:cNvPr id="3" name="图片占位符 2">
             <a:extLst>
               <a:ext uri="{FF2B5EF4-FFF2-40B4-BE49-F238E27FC236}">
-                <a16:creationId xmlns:a16="http://schemas.microsoft.com/office/drawing/2014/main" id="{774024EE-5101-64C0-ADAE-EDF1F0D0816C}"/>
+                <a16:creationId xmlns:a16="http://schemas.microsoft.com/office/drawing/2014/main" id="{29C1A07D-BAAB-3944-6106-28588BF35761}"/>
               </a:ext>
             </a:extLst>
           </p:cNvPr>
@@ -2574,7 +2574,7 @@
           <p:cNvPr id="4" name="文本占位符 3">
             <a:extLst>
               <a:ext uri="{FF2B5EF4-FFF2-40B4-BE49-F238E27FC236}">
-                <a16:creationId xmlns:a16="http://schemas.microsoft.com/office/drawing/2014/main" id="{6D413435-4806-370D-0CC3-67601E98A01D}"/>
+                <a16:creationId xmlns:a16="http://schemas.microsoft.com/office/drawing/2014/main" id="{794EA2D7-E2FF-C4CA-F6F1-A3D66B9D8458}"/>
               </a:ext>
             </a:extLst>
           </p:cNvPr>
@@ -2645,7 +2645,7 @@
           <p:cNvPr id="5" name="日期占位符 4">
             <a:extLst>
               <a:ext uri="{FF2B5EF4-FFF2-40B4-BE49-F238E27FC236}">
-                <a16:creationId xmlns:a16="http://schemas.microsoft.com/office/drawing/2014/main" id="{965B745B-00F1-8568-1EB6-167A2A854732}"/>
+                <a16:creationId xmlns:a16="http://schemas.microsoft.com/office/drawing/2014/main" id="{CC7D67CB-BF6C-B764-BA5E-E9A1A4AE2941}"/>
               </a:ext>
             </a:extLst>
           </p:cNvPr>
@@ -2661,7 +2661,7 @@
           <a:bodyPr/>
           <a:lstStyle/>
           <a:p>
-            <a:fld id="{CFAC8E6B-89E3-428F-9E82-811432877376}" type="datetimeFigureOut">
+            <a:fld id="{95E3E190-79BD-4A9F-9B40-8F6A07CFD4B0}" type="datetimeFigureOut">
               <a:rPr lang="zh-CN" altLang="en-US" smtClean="0"/>
               <a:t>2024/3/10</a:t>
             </a:fld>
@@ -2674,7 +2674,7 @@
           <p:cNvPr id="6" name="页脚占位符 5">
             <a:extLst>
               <a:ext uri="{FF2B5EF4-FFF2-40B4-BE49-F238E27FC236}">
-                <a16:creationId xmlns:a16="http://schemas.microsoft.com/office/drawing/2014/main" id="{0897C172-2F16-4553-36D3-5300F478FA95}"/>
+                <a16:creationId xmlns:a16="http://schemas.microsoft.com/office/drawing/2014/main" id="{C139CA29-9634-776C-B486-1C332D0E8A4A}"/>
               </a:ext>
             </a:extLst>
           </p:cNvPr>
@@ -2699,7 +2699,7 @@
           <p:cNvPr id="7" name="灯片编号占位符 6">
             <a:extLst>
               <a:ext uri="{FF2B5EF4-FFF2-40B4-BE49-F238E27FC236}">
-                <a16:creationId xmlns:a16="http://schemas.microsoft.com/office/drawing/2014/main" id="{2811FD5B-F474-2352-243D-3E921B26344E}"/>
+                <a16:creationId xmlns:a16="http://schemas.microsoft.com/office/drawing/2014/main" id="{2F8A757B-BDFF-BFCC-71A0-43CB945EDFDF}"/>
               </a:ext>
             </a:extLst>
           </p:cNvPr>
@@ -2715,7 +2715,7 @@
           <a:bodyPr/>
           <a:lstStyle/>
           <a:p>
-            <a:fld id="{1A93098A-947F-49BD-9C50-DDDA17F24623}" type="slidenum">
+            <a:fld id="{84459C09-3EF7-4ACA-9AD5-533EC1D715A1}" type="slidenum">
               <a:rPr lang="zh-CN" altLang="en-US" smtClean="0"/>
               <a:t>‹#›</a:t>
             </a:fld>
@@ -2726,7 +2726,7 @@
     </p:spTree>
     <p:extLst>
       <p:ext uri="{BB962C8B-B14F-4D97-AF65-F5344CB8AC3E}">
-        <p14:creationId xmlns:p14="http://schemas.microsoft.com/office/powerpoint/2010/main" val="2061213686"/>
+        <p14:creationId xmlns:p14="http://schemas.microsoft.com/office/powerpoint/2010/main" val="32386113"/>
       </p:ext>
     </p:extLst>
   </p:cSld>
@@ -2763,7 +2763,7 @@
           <p:cNvPr id="2" name="标题占位符 1">
             <a:extLst>
               <a:ext uri="{FF2B5EF4-FFF2-40B4-BE49-F238E27FC236}">
-                <a16:creationId xmlns:a16="http://schemas.microsoft.com/office/drawing/2014/main" id="{46584E27-F748-54FE-94F9-7BBD7362B687}"/>
+                <a16:creationId xmlns:a16="http://schemas.microsoft.com/office/drawing/2014/main" id="{CA26DBD2-B8D8-5FF0-EEAC-D8C5228A6A10}"/>
               </a:ext>
             </a:extLst>
           </p:cNvPr>
@@ -2801,7 +2801,7 @@
           <p:cNvPr id="3" name="文本占位符 2">
             <a:extLst>
               <a:ext uri="{FF2B5EF4-FFF2-40B4-BE49-F238E27FC236}">
-                <a16:creationId xmlns:a16="http://schemas.microsoft.com/office/drawing/2014/main" id="{F20B49E9-6E11-5EF8-1AB2-0E1C3DCAED1F}"/>
+                <a16:creationId xmlns:a16="http://schemas.microsoft.com/office/drawing/2014/main" id="{A1D77375-BB52-77C8-98CD-2F763DBA1590}"/>
               </a:ext>
             </a:extLst>
           </p:cNvPr>
@@ -2868,7 +2868,7 @@
           <p:cNvPr id="4" name="日期占位符 3">
             <a:extLst>
               <a:ext uri="{FF2B5EF4-FFF2-40B4-BE49-F238E27FC236}">
-                <a16:creationId xmlns:a16="http://schemas.microsoft.com/office/drawing/2014/main" id="{E26324BC-50E5-E0F9-03AD-3A63DC99D3F3}"/>
+                <a16:creationId xmlns:a16="http://schemas.microsoft.com/office/drawing/2014/main" id="{86F9DF67-95C6-01A7-EE55-820A84D2B3D5}"/>
               </a:ext>
             </a:extLst>
           </p:cNvPr>
@@ -2902,7 +2902,7 @@
             </a:lvl1pPr>
           </a:lstStyle>
           <a:p>
-            <a:fld id="{CFAC8E6B-89E3-428F-9E82-811432877376}" type="datetimeFigureOut">
+            <a:fld id="{95E3E190-79BD-4A9F-9B40-8F6A07CFD4B0}" type="datetimeFigureOut">
               <a:rPr lang="zh-CN" altLang="en-US" smtClean="0"/>
               <a:t>2024/3/10</a:t>
             </a:fld>
@@ -2915,7 +2915,7 @@
           <p:cNvPr id="5" name="页脚占位符 4">
             <a:extLst>
               <a:ext uri="{FF2B5EF4-FFF2-40B4-BE49-F238E27FC236}">
-                <a16:creationId xmlns:a16="http://schemas.microsoft.com/office/drawing/2014/main" id="{DF69A6B5-23C8-66A7-74F0-AC2A2E59915B}"/>
+                <a16:creationId xmlns:a16="http://schemas.microsoft.com/office/drawing/2014/main" id="{9DA66386-82AF-B61B-F500-DD2B502C3FEB}"/>
               </a:ext>
             </a:extLst>
           </p:cNvPr>
@@ -2958,7 +2958,7 @@
           <p:cNvPr id="6" name="灯片编号占位符 5">
             <a:extLst>
               <a:ext uri="{FF2B5EF4-FFF2-40B4-BE49-F238E27FC236}">
-                <a16:creationId xmlns:a16="http://schemas.microsoft.com/office/drawing/2014/main" id="{449F9C54-2093-B8C3-13C9-B608B468DF99}"/>
+                <a16:creationId xmlns:a16="http://schemas.microsoft.com/office/drawing/2014/main" id="{4E004C30-86E2-B8AB-1332-0350D3F6233E}"/>
               </a:ext>
             </a:extLst>
           </p:cNvPr>
@@ -2992,7 +2992,7 @@
             </a:lvl1pPr>
           </a:lstStyle>
           <a:p>
-            <a:fld id="{1A93098A-947F-49BD-9C50-DDDA17F24623}" type="slidenum">
+            <a:fld id="{84459C09-3EF7-4ACA-9AD5-533EC1D715A1}" type="slidenum">
               <a:rPr lang="zh-CN" altLang="en-US" smtClean="0"/>
               <a:t>‹#›</a:t>
             </a:fld>
@@ -3003,7 +3003,7 @@
     </p:spTree>
     <p:extLst>
       <p:ext uri="{BB962C8B-B14F-4D97-AF65-F5344CB8AC3E}">
-        <p14:creationId xmlns:p14="http://schemas.microsoft.com/office/powerpoint/2010/main" val="3257076253"/>
+        <p14:creationId xmlns:p14="http://schemas.microsoft.com/office/powerpoint/2010/main" val="333209603"/>
       </p:ext>
     </p:extLst>
   </p:cSld>
